--- a/분식집 ppt_.pptx
+++ b/분식집 ppt_.pptx
@@ -335,7 +335,7 @@
           <a:p>
             <a:fld id="{F8166F1F-CE9B-4651-A6AA-CD717754106B}" type="datetimeFigureOut">
               <a:rPr lang="en-US" smtClean="0"/>
-              <a:t>3/28/2023</a:t>
+              <a:t>3/29/2023</a:t>
             </a:fld>
             <a:endParaRPr lang="en-US"/>
           </a:p>
@@ -500,7 +500,7 @@
           <a:p>
             <a:fld id="{A76116CE-C4A3-4A05-B2D7-7C2E9A889C0F}" type="datetimeFigureOut">
               <a:rPr lang="en-US" smtClean="0"/>
-              <a:t>3/28/2023</a:t>
+              <a:t>3/29/2023</a:t>
             </a:fld>
             <a:endParaRPr lang="en-US"/>
           </a:p>
@@ -675,7 +675,7 @@
           <a:p>
             <a:fld id="{A76116CE-C4A3-4A05-B2D7-7C2E9A889C0F}" type="datetimeFigureOut">
               <a:rPr lang="en-US" smtClean="0"/>
-              <a:t>3/28/2023</a:t>
+              <a:t>3/29/2023</a:t>
             </a:fld>
             <a:endParaRPr lang="en-US"/>
           </a:p>
@@ -842,7 +842,7 @@
           <a:p>
             <a:fld id="{A76116CE-C4A3-4A05-B2D7-7C2E9A889C0F}" type="datetimeFigureOut">
               <a:rPr lang="en-US" smtClean="0"/>
-              <a:t>3/28/2023</a:t>
+              <a:t>3/29/2023</a:t>
             </a:fld>
             <a:endParaRPr lang="en-US"/>
           </a:p>
@@ -1083,7 +1083,7 @@
           <a:p>
             <a:fld id="{A76116CE-C4A3-4A05-B2D7-7C2E9A889C0F}" type="datetimeFigureOut">
               <a:rPr lang="en-US" smtClean="0"/>
-              <a:t>3/28/2023</a:t>
+              <a:t>3/29/2023</a:t>
             </a:fld>
             <a:endParaRPr lang="en-US"/>
           </a:p>
@@ -1366,7 +1366,7 @@
           <a:p>
             <a:fld id="{A76116CE-C4A3-4A05-B2D7-7C2E9A889C0F}" type="datetimeFigureOut">
               <a:rPr lang="en-US" smtClean="0"/>
-              <a:t>3/28/2023</a:t>
+              <a:t>3/29/2023</a:t>
             </a:fld>
             <a:endParaRPr lang="en-US"/>
           </a:p>
@@ -1783,7 +1783,7 @@
           <a:p>
             <a:fld id="{A76116CE-C4A3-4A05-B2D7-7C2E9A889C0F}" type="datetimeFigureOut">
               <a:rPr lang="en-US" smtClean="0"/>
-              <a:t>3/28/2023</a:t>
+              <a:t>3/29/2023</a:t>
             </a:fld>
             <a:endParaRPr lang="en-US"/>
           </a:p>
@@ -1896,7 +1896,7 @@
           <a:p>
             <a:fld id="{A76116CE-C4A3-4A05-B2D7-7C2E9A889C0F}" type="datetimeFigureOut">
               <a:rPr lang="en-US" smtClean="0"/>
-              <a:t>3/28/2023</a:t>
+              <a:t>3/29/2023</a:t>
             </a:fld>
             <a:endParaRPr lang="en-US"/>
           </a:p>
@@ -1986,7 +1986,7 @@
           <a:p>
             <a:fld id="{A76116CE-C4A3-4A05-B2D7-7C2E9A889C0F}" type="datetimeFigureOut">
               <a:rPr lang="en-US" smtClean="0"/>
-              <a:t>3/28/2023</a:t>
+              <a:t>3/29/2023</a:t>
             </a:fld>
             <a:endParaRPr lang="en-US"/>
           </a:p>
@@ -2258,7 +2258,7 @@
           <a:p>
             <a:fld id="{A76116CE-C4A3-4A05-B2D7-7C2E9A889C0F}" type="datetimeFigureOut">
               <a:rPr lang="en-US" smtClean="0"/>
-              <a:t>3/28/2023</a:t>
+              <a:t>3/29/2023</a:t>
             </a:fld>
             <a:endParaRPr lang="en-US"/>
           </a:p>
@@ -2506,7 +2506,7 @@
           <a:p>
             <a:fld id="{A76116CE-C4A3-4A05-B2D7-7C2E9A889C0F}" type="datetimeFigureOut">
               <a:rPr lang="en-US" smtClean="0"/>
-              <a:t>3/28/2023</a:t>
+              <a:t>3/29/2023</a:t>
             </a:fld>
             <a:endParaRPr lang="en-US"/>
           </a:p>
@@ -2714,7 +2714,7 @@
           <a:p>
             <a:fld id="{F8166F1F-CE9B-4651-A6AA-CD717754106B}" type="datetimeFigureOut">
               <a:rPr lang="en-US" smtClean="0"/>
-              <a:t>3/28/2023</a:t>
+              <a:t>3/29/2023</a:t>
             </a:fld>
             <a:endParaRPr lang="en-US"/>
           </a:p>
@@ -3388,7 +3388,7 @@
         </p:nvGrpSpPr>
         <p:grpSpPr>
           <a:xfrm>
-            <a:off x="8243479" y="-1795427"/>
+            <a:off x="6972300" y="114300"/>
             <a:ext cx="3590854" cy="3590854"/>
             <a:chOff x="7312672" y="-2299731"/>
             <a:chExt cx="3590854" cy="3590854"/>
@@ -3812,7 +3812,7 @@
       </p:pic>
       <p:pic>
         <p:nvPicPr>
-          <p:cNvPr id="13" name="Object 12"/>
+          <p:cNvPr id="14" name="Object 5"/>
           <p:cNvPicPr>
             <a:picLocks noChangeAspect="1"/>
           </p:cNvPicPr>
@@ -3826,7 +3826,7 @@
         </p:blipFill>
         <p:spPr>
           <a:xfrm>
-            <a:off x="4010369" y="7536973"/>
+            <a:off x="4305804" y="8496300"/>
             <a:ext cx="1712190" cy="224876"/>
           </a:xfrm>
           <a:prstGeom prst="rect">
@@ -4521,30 +4521,6 @@
           </a:prstGeom>
         </p:spPr>
       </p:pic>
-      <p:pic>
-        <p:nvPicPr>
-          <p:cNvPr id="6" name="Object 5"/>
-          <p:cNvPicPr>
-            <a:picLocks noChangeAspect="1"/>
-          </p:cNvPicPr>
-          <p:nvPr/>
-        </p:nvPicPr>
-        <p:blipFill>
-          <a:blip r:embed="rId4" cstate="print"/>
-          <a:stretch>
-            <a:fillRect/>
-          </a:stretch>
-        </p:blipFill>
-        <p:spPr>
-          <a:xfrm>
-            <a:off x="4010369" y="7536973"/>
-            <a:ext cx="1712190" cy="224876"/>
-          </a:xfrm>
-          <a:prstGeom prst="rect">
-            <a:avLst/>
-          </a:prstGeom>
-        </p:spPr>
-      </p:pic>
       <p:grpSp>
         <p:nvGrpSpPr>
           <p:cNvPr id="1002" name="그룹 1002"/>
@@ -4568,7 +4544,7 @@
             <p:nvPr/>
           </p:nvPicPr>
           <p:blipFill>
-            <a:blip r:embed="rId5" cstate="print"/>
+            <a:blip r:embed="rId4" cstate="print"/>
             <a:stretch>
               <a:fillRect/>
             </a:stretch>
@@ -4607,7 +4583,7 @@
             <p:nvPr/>
           </p:nvPicPr>
           <p:blipFill>
-            <a:blip r:embed="rId6" cstate="print"/>
+            <a:blip r:embed="rId5" cstate="print"/>
             <a:stretch>
               <a:fillRect/>
             </a:stretch>
@@ -4632,7 +4608,7 @@
           <p:nvPr/>
         </p:nvPicPr>
         <p:blipFill>
-          <a:blip r:embed="rId7" cstate="print"/>
+          <a:blip r:embed="rId6" cstate="print"/>
           <a:stretch>
             <a:fillRect/>
           </a:stretch>
@@ -4656,7 +4632,7 @@
           <p:nvPr/>
         </p:nvPicPr>
         <p:blipFill>
-          <a:blip r:embed="rId8" cstate="print"/>
+          <a:blip r:embed="rId7" cstate="print"/>
           <a:stretch>
             <a:fillRect/>
           </a:stretch>
@@ -4665,6 +4641,30 @@
           <a:xfrm>
             <a:off x="6977668" y="4380858"/>
             <a:ext cx="2743462" cy="1385243"/>
+          </a:xfrm>
+          <a:prstGeom prst="rect">
+            <a:avLst/>
+          </a:prstGeom>
+        </p:spPr>
+      </p:pic>
+      <p:pic>
+        <p:nvPicPr>
+          <p:cNvPr id="12" name="Object 12"/>
+          <p:cNvPicPr>
+            <a:picLocks noChangeAspect="1"/>
+          </p:cNvPicPr>
+          <p:nvPr/>
+        </p:nvPicPr>
+        <p:blipFill>
+          <a:blip r:embed="rId8" cstate="print"/>
+          <a:stretch>
+            <a:fillRect/>
+          </a:stretch>
+        </p:blipFill>
+        <p:spPr>
+          <a:xfrm>
+            <a:off x="3884944" y="8572500"/>
+            <a:ext cx="1712190" cy="224876"/>
           </a:xfrm>
           <a:prstGeom prst="rect">
             <a:avLst/>
@@ -4852,102 +4852,6 @@
           </a:prstGeom>
         </p:spPr>
       </p:pic>
-      <p:pic>
-        <p:nvPicPr>
-          <p:cNvPr id="12" name="Object 11"/>
-          <p:cNvPicPr>
-            <a:picLocks noChangeAspect="1"/>
-          </p:cNvPicPr>
-          <p:nvPr/>
-        </p:nvPicPr>
-        <p:blipFill>
-          <a:blip r:embed="rId6" cstate="print"/>
-          <a:stretch>
-            <a:fillRect/>
-          </a:stretch>
-        </p:blipFill>
-        <p:spPr>
-          <a:xfrm>
-            <a:off x="3032654" y="2463683"/>
-            <a:ext cx="2511362" cy="468924"/>
-          </a:xfrm>
-          <a:prstGeom prst="rect">
-            <a:avLst/>
-          </a:prstGeom>
-        </p:spPr>
-      </p:pic>
-      <p:pic>
-        <p:nvPicPr>
-          <p:cNvPr id="13" name="Object 12"/>
-          <p:cNvPicPr>
-            <a:picLocks noChangeAspect="1"/>
-          </p:cNvPicPr>
-          <p:nvPr/>
-        </p:nvPicPr>
-        <p:blipFill>
-          <a:blip r:embed="rId7" cstate="print"/>
-          <a:stretch>
-            <a:fillRect/>
-          </a:stretch>
-        </p:blipFill>
-        <p:spPr>
-          <a:xfrm>
-            <a:off x="3918091" y="8373607"/>
-            <a:ext cx="1712190" cy="234924"/>
-          </a:xfrm>
-          <a:prstGeom prst="rect">
-            <a:avLst/>
-          </a:prstGeom>
-        </p:spPr>
-      </p:pic>
-      <p:pic>
-        <p:nvPicPr>
-          <p:cNvPr id="14" name="Object 13"/>
-          <p:cNvPicPr>
-            <a:picLocks noChangeAspect="1"/>
-          </p:cNvPicPr>
-          <p:nvPr/>
-        </p:nvPicPr>
-        <p:blipFill>
-          <a:blip r:embed="rId8" cstate="print"/>
-          <a:stretch>
-            <a:fillRect/>
-          </a:stretch>
-        </p:blipFill>
-        <p:spPr>
-          <a:xfrm>
-            <a:off x="3099871" y="3981775"/>
-            <a:ext cx="2530410" cy="468924"/>
-          </a:xfrm>
-          <a:prstGeom prst="rect">
-            <a:avLst/>
-          </a:prstGeom>
-        </p:spPr>
-      </p:pic>
-      <p:pic>
-        <p:nvPicPr>
-          <p:cNvPr id="15" name="Object 14"/>
-          <p:cNvPicPr>
-            <a:picLocks noChangeAspect="1"/>
-          </p:cNvPicPr>
-          <p:nvPr/>
-        </p:nvPicPr>
-        <p:blipFill>
-          <a:blip r:embed="rId9" cstate="print"/>
-          <a:stretch>
-            <a:fillRect/>
-          </a:stretch>
-        </p:blipFill>
-        <p:spPr>
-          <a:xfrm>
-            <a:off x="3143207" y="7017960"/>
-            <a:ext cx="2290257" cy="459400"/>
-          </a:xfrm>
-          <a:prstGeom prst="rect">
-            <a:avLst/>
-          </a:prstGeom>
-        </p:spPr>
-      </p:pic>
       <p:sp>
         <p:nvSpPr>
           <p:cNvPr id="2" name="TextBox 1"/>
@@ -4957,7 +4861,7 @@
         <p:spPr>
           <a:xfrm>
             <a:off x="4391130" y="5468657"/>
-            <a:ext cx="1728705" cy="400110"/>
+            <a:ext cx="1728705" cy="461665"/>
           </a:xfrm>
           <a:prstGeom prst="rect">
             <a:avLst/>
@@ -4971,14 +4875,152 @@
           <a:lstStyle/>
           <a:p>
             <a:r>
-              <a:rPr lang="ko-KR" altLang="en-US" sz="2000" b="1" dirty="0" smtClean="0">
+              <a:rPr lang="ko-KR" altLang="en-US" sz="2400" b="1" dirty="0" smtClean="0">
                 <a:solidFill>
                   <a:schemeClr val="bg1"/>
                 </a:solidFill>
               </a:rPr>
               <a:t>장바구니</a:t>
             </a:r>
-            <a:endParaRPr lang="ko-KR" altLang="en-US" sz="2000" b="1" dirty="0">
+            <a:endParaRPr lang="ko-KR" altLang="en-US" sz="2400" b="1" dirty="0">
+              <a:solidFill>
+                <a:schemeClr val="bg1"/>
+              </a:solidFill>
+            </a:endParaRPr>
+          </a:p>
+        </p:txBody>
+      </p:sp>
+      <p:pic>
+        <p:nvPicPr>
+          <p:cNvPr id="16" name="Object 5"/>
+          <p:cNvPicPr>
+            <a:picLocks noChangeAspect="1"/>
+          </p:cNvPicPr>
+          <p:nvPr/>
+        </p:nvPicPr>
+        <p:blipFill>
+          <a:blip r:embed="rId6" cstate="print"/>
+          <a:stretch>
+            <a:fillRect/>
+          </a:stretch>
+        </p:blipFill>
+        <p:spPr>
+          <a:xfrm flipV="1">
+            <a:off x="3995760" y="8748706"/>
+            <a:ext cx="1712190" cy="274319"/>
+          </a:xfrm>
+          <a:prstGeom prst="rect">
+            <a:avLst/>
+          </a:prstGeom>
+        </p:spPr>
+      </p:pic>
+      <p:sp>
+        <p:nvSpPr>
+          <p:cNvPr id="4" name="TextBox 3"/>
+          <p:cNvSpPr txBox="1"/>
+          <p:nvPr/>
+        </p:nvSpPr>
+        <p:spPr>
+          <a:xfrm>
+            <a:off x="4676282" y="2176433"/>
+            <a:ext cx="1883898" cy="461665"/>
+          </a:xfrm>
+          <a:prstGeom prst="rect">
+            <a:avLst/>
+          </a:prstGeom>
+          <a:noFill/>
+        </p:spPr>
+        <p:txBody>
+          <a:bodyPr wrap="square" rtlCol="0">
+            <a:spAutoFit/>
+          </a:bodyPr>
+          <a:lstStyle/>
+          <a:p>
+            <a:r>
+              <a:rPr lang="ko-KR" altLang="en-US" sz="2400" b="1" dirty="0" smtClean="0">
+                <a:solidFill>
+                  <a:schemeClr val="bg1"/>
+                </a:solidFill>
+              </a:rPr>
+              <a:t>주문 </a:t>
+            </a:r>
+            <a:endParaRPr lang="ko-KR" altLang="en-US" sz="2400" b="1" dirty="0">
+              <a:solidFill>
+                <a:schemeClr val="bg1"/>
+              </a:solidFill>
+            </a:endParaRPr>
+          </a:p>
+        </p:txBody>
+      </p:sp>
+      <p:sp>
+        <p:nvSpPr>
+          <p:cNvPr id="5" name="TextBox 4"/>
+          <p:cNvSpPr txBox="1"/>
+          <p:nvPr/>
+        </p:nvSpPr>
+        <p:spPr>
+          <a:xfrm>
+            <a:off x="4338651" y="3822545"/>
+            <a:ext cx="1671660" cy="461665"/>
+          </a:xfrm>
+          <a:prstGeom prst="rect">
+            <a:avLst/>
+          </a:prstGeom>
+          <a:noFill/>
+        </p:spPr>
+        <p:txBody>
+          <a:bodyPr wrap="square" rtlCol="0">
+            <a:spAutoFit/>
+          </a:bodyPr>
+          <a:lstStyle/>
+          <a:p>
+            <a:r>
+              <a:rPr lang="ko-KR" altLang="en-US" sz="2400" b="1" dirty="0" smtClean="0">
+                <a:solidFill>
+                  <a:schemeClr val="bg1"/>
+                </a:solidFill>
+              </a:rPr>
+              <a:t>메뉴 선택</a:t>
+            </a:r>
+            <a:endParaRPr lang="ko-KR" altLang="en-US" sz="2400" b="1" dirty="0">
+              <a:solidFill>
+                <a:schemeClr val="bg1"/>
+              </a:solidFill>
+            </a:endParaRPr>
+          </a:p>
+        </p:txBody>
+      </p:sp>
+      <p:sp>
+        <p:nvSpPr>
+          <p:cNvPr id="7" name="TextBox 6"/>
+          <p:cNvSpPr txBox="1"/>
+          <p:nvPr/>
+        </p:nvSpPr>
+        <p:spPr>
+          <a:xfrm>
+            <a:off x="4693305" y="7087458"/>
+            <a:ext cx="1443060" cy="461665"/>
+          </a:xfrm>
+          <a:prstGeom prst="rect">
+            <a:avLst/>
+          </a:prstGeom>
+          <a:noFill/>
+        </p:spPr>
+        <p:txBody>
+          <a:bodyPr wrap="square" rtlCol="0">
+            <a:spAutoFit/>
+          </a:bodyPr>
+          <a:lstStyle/>
+          <a:p>
+            <a:r>
+              <a:rPr lang="ko-KR" altLang="en-US" sz="2400" b="1" dirty="0" smtClean="0">
+                <a:solidFill>
+                  <a:schemeClr val="bg1"/>
+                </a:solidFill>
+              </a:rPr>
+              <a:t>결제</a:t>
+            </a:r>
+            <a:endParaRPr lang="ko-KR" altLang="en-US" sz="2400" b="1" dirty="0">
               <a:solidFill>
                 <a:schemeClr val="bg1"/>
               </a:solidFill>
@@ -5737,7 +5779,7 @@
             <a:blip r:embed="rId5">
               <a:extLst>
                 <a:ext uri="{96DAC541-7B7A-43D3-8B79-37D633B846F1}">
-                  <asvg:svgBlip xmlns:lc="http://schemas.openxmlformats.org/drawingml/2006/lockedCanvas" xmlns:asvg="http://schemas.microsoft.com/office/drawing/2016/SVG/main" xmlns="" r:embed="rId6"/>
+                  <asvg:svgBlip xmlns="" xmlns:asvg="http://schemas.microsoft.com/office/drawing/2016/SVG/main" xmlns:lc="http://schemas.openxmlformats.org/drawingml/2006/lockedCanvas" r:embed="rId6"/>
                 </a:ext>
               </a:extLst>
             </a:blip>
@@ -6023,7 +6065,7 @@
             <a:blip r:embed="rId5">
               <a:extLst>
                 <a:ext uri="{96DAC541-7B7A-43D3-8B79-37D633B846F1}">
-                  <asvg:svgBlip xmlns:lc="http://schemas.openxmlformats.org/drawingml/2006/lockedCanvas" xmlns:asvg="http://schemas.microsoft.com/office/drawing/2016/SVG/main" xmlns="" r:embed="rId7"/>
+                  <asvg:svgBlip xmlns="" xmlns:asvg="http://schemas.microsoft.com/office/drawing/2016/SVG/main" xmlns:lc="http://schemas.openxmlformats.org/drawingml/2006/lockedCanvas" r:embed="rId7"/>
                 </a:ext>
               </a:extLst>
             </a:blip>
